--- a/FMS/17Ling.pptx
+++ b/FMS/17Ling.pptx
@@ -848,7 +848,7 @@
           </a:ln>
           <a:extLst>
             <a:ext uri="{C572A759-6A51-4108-AA02-DFA0A04FC94B}">
-              <ma14:wrappingTextBoxFlag xmlns:ma14="http://schemas.microsoft.com/office/mac/drawingml/2011/main" xmlns:a14="http://schemas.microsoft.com/office/drawing/2010/main" xmlns:m="http://schemas.openxmlformats.org/officeDocument/2006/math" xmlns="" val="1"/>
+              <ma14:wrappingTextBoxFlag xmlns="" xmlns:m="http://schemas.openxmlformats.org/officeDocument/2006/math" xmlns:a14="http://schemas.microsoft.com/office/drawing/2010/main" xmlns:ma14="http://schemas.microsoft.com/office/mac/drawingml/2011/main" val="1"/>
             </a:ext>
           </a:extLst>
         </p:spPr>
@@ -2519,7 +2519,7 @@
           </a:ln>
           <a:extLst>
             <a:ext uri="{C572A759-6A51-4108-AA02-DFA0A04FC94B}">
-              <ma14:wrappingTextBoxFlag xmlns:ma14="http://schemas.microsoft.com/office/mac/drawingml/2011/main" xmlns:a14="http://schemas.microsoft.com/office/drawing/2010/main" xmlns:m="http://schemas.openxmlformats.org/officeDocument/2006/math" xmlns="" val="1"/>
+              <ma14:wrappingTextBoxFlag xmlns="" xmlns:m="http://schemas.openxmlformats.org/officeDocument/2006/math" xmlns:a14="http://schemas.microsoft.com/office/drawing/2010/main" xmlns:ma14="http://schemas.microsoft.com/office/mac/drawingml/2011/main" val="1"/>
             </a:ext>
           </a:extLst>
         </p:spPr>
@@ -2565,7 +2565,7 @@
           </a:ln>
           <a:extLst>
             <a:ext uri="{C572A759-6A51-4108-AA02-DFA0A04FC94B}">
-              <ma14:wrappingTextBoxFlag xmlns:ma14="http://schemas.microsoft.com/office/mac/drawingml/2011/main" xmlns:a14="http://schemas.microsoft.com/office/drawing/2010/main" xmlns:m="http://schemas.openxmlformats.org/officeDocument/2006/math" xmlns="" val="1"/>
+              <ma14:wrappingTextBoxFlag xmlns="" xmlns:m="http://schemas.openxmlformats.org/officeDocument/2006/math" xmlns:a14="http://schemas.microsoft.com/office/drawing/2010/main" xmlns:ma14="http://schemas.microsoft.com/office/mac/drawingml/2011/main" val="1"/>
             </a:ext>
           </a:extLst>
         </p:spPr>
@@ -2604,7 +2604,7 @@
           </a:ln>
           <a:extLst>
             <a:ext uri="{C572A759-6A51-4108-AA02-DFA0A04FC94B}">
-              <ma14:wrappingTextBoxFlag xmlns:ma14="http://schemas.microsoft.com/office/mac/drawingml/2011/main" xmlns:a14="http://schemas.microsoft.com/office/drawing/2010/main" xmlns:m="http://schemas.openxmlformats.org/officeDocument/2006/math" xmlns="" val="1"/>
+              <ma14:wrappingTextBoxFlag xmlns="" xmlns:m="http://schemas.openxmlformats.org/officeDocument/2006/math" xmlns:a14="http://schemas.microsoft.com/office/drawing/2010/main" xmlns:ma14="http://schemas.microsoft.com/office/mac/drawingml/2011/main" val="1"/>
             </a:ext>
           </a:extLst>
         </p:spPr>
@@ -3545,7 +3545,7 @@
           </a:custGeom>
           <a:extLst>
             <a:ext uri="{C572A759-6A51-4108-AA02-DFA0A04FC94B}">
-              <ma14:wrappingTextBoxFlag xmlns:ma14="http://schemas.microsoft.com/office/mac/drawingml/2011/main" xmlns:a14="http://schemas.microsoft.com/office/drawing/2010/main" xmlns:m="http://schemas.openxmlformats.org/officeDocument/2006/math" xmlns="" val="1"/>
+              <ma14:wrappingTextBoxFlag xmlns="" xmlns:m="http://schemas.openxmlformats.org/officeDocument/2006/math" xmlns:a14="http://schemas.microsoft.com/office/drawing/2010/main" xmlns:ma14="http://schemas.microsoft.com/office/mac/drawingml/2011/main" val="1"/>
             </a:ext>
           </a:extLst>
         </p:spPr>
@@ -3619,7 +3619,7 @@
           </a:custGeom>
           <a:extLst>
             <a:ext uri="{C572A759-6A51-4108-AA02-DFA0A04FC94B}">
-              <ma14:wrappingTextBoxFlag xmlns:ma14="http://schemas.microsoft.com/office/mac/drawingml/2011/main" xmlns:a14="http://schemas.microsoft.com/office/drawing/2010/main" xmlns:m="http://schemas.openxmlformats.org/officeDocument/2006/math" xmlns="" val="1"/>
+              <ma14:wrappingTextBoxFlag xmlns="" xmlns:m="http://schemas.openxmlformats.org/officeDocument/2006/math" xmlns:a14="http://schemas.microsoft.com/office/drawing/2010/main" xmlns:ma14="http://schemas.microsoft.com/office/mac/drawingml/2011/main" val="1"/>
             </a:ext>
           </a:extLst>
         </p:spPr>
@@ -3652,7 +3652,7 @@
           </a:ln>
           <a:extLst>
             <a:ext uri="{C572A759-6A51-4108-AA02-DFA0A04FC94B}">
-              <ma14:wrappingTextBoxFlag xmlns:ma14="http://schemas.microsoft.com/office/mac/drawingml/2011/main" xmlns:a14="http://schemas.microsoft.com/office/drawing/2010/main" xmlns:m="http://schemas.openxmlformats.org/officeDocument/2006/math" xmlns="" val="1"/>
+              <ma14:wrappingTextBoxFlag xmlns="" xmlns:m="http://schemas.openxmlformats.org/officeDocument/2006/math" xmlns:a14="http://schemas.microsoft.com/office/drawing/2010/main" xmlns:ma14="http://schemas.microsoft.com/office/mac/drawingml/2011/main" val="1"/>
             </a:ext>
           </a:extLst>
         </p:spPr>
@@ -3714,7 +3714,7 @@
           </a:prstGeom>
           <a:extLst>
             <a:ext uri="{C572A759-6A51-4108-AA02-DFA0A04FC94B}">
-              <ma14:wrappingTextBoxFlag xmlns:ma14="http://schemas.microsoft.com/office/mac/drawingml/2011/main" xmlns:a14="http://schemas.microsoft.com/office/drawing/2010/main" xmlns:m="http://schemas.openxmlformats.org/officeDocument/2006/math" xmlns="" val="1"/>
+              <ma14:wrappingTextBoxFlag xmlns="" xmlns:m="http://schemas.openxmlformats.org/officeDocument/2006/math" xmlns:a14="http://schemas.microsoft.com/office/drawing/2010/main" xmlns:ma14="http://schemas.microsoft.com/office/mac/drawingml/2011/main" val="1"/>
             </a:ext>
           </a:extLst>
         </p:spPr>
@@ -3820,7 +3820,7 @@
           <a:effectLst/>
           <a:extLst>
             <a:ext uri="{C572A759-6A51-4108-AA02-DFA0A04FC94B}">
-              <ma14:wrappingTextBoxFlag xmlns:ma14="http://schemas.microsoft.com/office/mac/drawingml/2011/main" xmlns:a14="http://schemas.microsoft.com/office/drawing/2010/main" xmlns:m="http://schemas.openxmlformats.org/officeDocument/2006/math" xmlns="" val="1"/>
+              <ma14:wrappingTextBoxFlag xmlns="" xmlns:m="http://schemas.openxmlformats.org/officeDocument/2006/math" xmlns:a14="http://schemas.microsoft.com/office/drawing/2010/main" xmlns:ma14="http://schemas.microsoft.com/office/mac/drawingml/2011/main" val="1"/>
             </a:ext>
           </a:extLst>
         </p:spPr>
@@ -3962,7 +3962,7 @@
           <a:effectLst/>
           <a:extLst>
             <a:ext uri="{C572A759-6A51-4108-AA02-DFA0A04FC94B}">
-              <ma14:wrappingTextBoxFlag xmlns:ma14="http://schemas.microsoft.com/office/mac/drawingml/2011/main" xmlns:a14="http://schemas.microsoft.com/office/drawing/2010/main" xmlns:m="http://schemas.openxmlformats.org/officeDocument/2006/math" xmlns="" val="1"/>
+              <ma14:wrappingTextBoxFlag xmlns="" xmlns:m="http://schemas.openxmlformats.org/officeDocument/2006/math" xmlns:a14="http://schemas.microsoft.com/office/drawing/2010/main" xmlns:ma14="http://schemas.microsoft.com/office/mac/drawingml/2011/main" val="1"/>
             </a:ext>
           </a:extLst>
         </p:spPr>
@@ -4070,7 +4070,7 @@
           <a:effectLst/>
           <a:extLst>
             <a:ext uri="{C572A759-6A51-4108-AA02-DFA0A04FC94B}">
-              <ma14:wrappingTextBoxFlag xmlns:ma14="http://schemas.microsoft.com/office/mac/drawingml/2011/main" xmlns:a14="http://schemas.microsoft.com/office/drawing/2010/main" xmlns:m="http://schemas.openxmlformats.org/officeDocument/2006/math" xmlns="" val="1"/>
+              <ma14:wrappingTextBoxFlag xmlns="" xmlns:m="http://schemas.openxmlformats.org/officeDocument/2006/math" xmlns:a14="http://schemas.microsoft.com/office/drawing/2010/main" xmlns:ma14="http://schemas.microsoft.com/office/mac/drawingml/2011/main" val="1"/>
             </a:ext>
           </a:extLst>
         </p:spPr>
@@ -4170,7 +4170,7 @@
           <a:effectLst/>
           <a:extLst>
             <a:ext uri="{C572A759-6A51-4108-AA02-DFA0A04FC94B}">
-              <ma14:wrappingTextBoxFlag xmlns:ma14="http://schemas.microsoft.com/office/mac/drawingml/2011/main" xmlns:a14="http://schemas.microsoft.com/office/drawing/2010/main" xmlns:m="http://schemas.openxmlformats.org/officeDocument/2006/math" xmlns="" val="1"/>
+              <ma14:wrappingTextBoxFlag xmlns="" xmlns:m="http://schemas.openxmlformats.org/officeDocument/2006/math" xmlns:a14="http://schemas.microsoft.com/office/drawing/2010/main" xmlns:ma14="http://schemas.microsoft.com/office/mac/drawingml/2011/main" val="1"/>
             </a:ext>
           </a:extLst>
         </p:spPr>
@@ -4286,7 +4286,7 @@
           </a:prstGeom>
           <a:extLst>
             <a:ext uri="{C572A759-6A51-4108-AA02-DFA0A04FC94B}">
-              <ma14:wrappingTextBoxFlag xmlns:ma14="http://schemas.microsoft.com/office/mac/drawingml/2011/main" xmlns:a14="http://schemas.microsoft.com/office/drawing/2010/main" xmlns:m="http://schemas.openxmlformats.org/officeDocument/2006/math" xmlns="" val="1"/>
+              <ma14:wrappingTextBoxFlag xmlns="" xmlns:m="http://schemas.openxmlformats.org/officeDocument/2006/math" xmlns:a14="http://schemas.microsoft.com/office/drawing/2010/main" xmlns:ma14="http://schemas.microsoft.com/office/mac/drawingml/2011/main" val="1"/>
             </a:ext>
           </a:extLst>
         </p:spPr>
@@ -4382,7 +4382,7 @@
           <a:effectLst/>
           <a:extLst>
             <a:ext uri="{C572A759-6A51-4108-AA02-DFA0A04FC94B}">
-              <ma14:wrappingTextBoxFlag xmlns:ma14="http://schemas.microsoft.com/office/mac/drawingml/2011/main" xmlns:a14="http://schemas.microsoft.com/office/drawing/2010/main" xmlns:m="http://schemas.openxmlformats.org/officeDocument/2006/math" xmlns="" val="1"/>
+              <ma14:wrappingTextBoxFlag xmlns="" xmlns:m="http://schemas.openxmlformats.org/officeDocument/2006/math" xmlns:a14="http://schemas.microsoft.com/office/drawing/2010/main" xmlns:ma14="http://schemas.microsoft.com/office/mac/drawingml/2011/main" val="1"/>
             </a:ext>
           </a:extLst>
         </p:spPr>
@@ -4481,7 +4481,7 @@
           <a:effectLst/>
           <a:extLst>
             <a:ext uri="{C572A759-6A51-4108-AA02-DFA0A04FC94B}">
-              <ma14:wrappingTextBoxFlag xmlns:ma14="http://schemas.microsoft.com/office/mac/drawingml/2011/main" xmlns:a14="http://schemas.microsoft.com/office/drawing/2010/main" xmlns:m="http://schemas.openxmlformats.org/officeDocument/2006/math" xmlns="" val="1"/>
+              <ma14:wrappingTextBoxFlag xmlns="" xmlns:m="http://schemas.openxmlformats.org/officeDocument/2006/math" xmlns:a14="http://schemas.microsoft.com/office/drawing/2010/main" xmlns:ma14="http://schemas.microsoft.com/office/mac/drawingml/2011/main" val="1"/>
             </a:ext>
           </a:extLst>
         </p:spPr>
@@ -4579,7 +4579,7 @@
           <a:effectLst/>
           <a:extLst>
             <a:ext uri="{C572A759-6A51-4108-AA02-DFA0A04FC94B}">
-              <ma14:wrappingTextBoxFlag xmlns:ma14="http://schemas.microsoft.com/office/mac/drawingml/2011/main" xmlns:a14="http://schemas.microsoft.com/office/drawing/2010/main" xmlns:m="http://schemas.openxmlformats.org/officeDocument/2006/math" xmlns="" val="1"/>
+              <ma14:wrappingTextBoxFlag xmlns="" xmlns:m="http://schemas.openxmlformats.org/officeDocument/2006/math" xmlns:a14="http://schemas.microsoft.com/office/drawing/2010/main" xmlns:ma14="http://schemas.microsoft.com/office/mac/drawingml/2011/main" val="1"/>
             </a:ext>
           </a:extLst>
         </p:spPr>
@@ -4678,7 +4678,7 @@
           <a:effectLst/>
           <a:extLst>
             <a:ext uri="{C572A759-6A51-4108-AA02-DFA0A04FC94B}">
-              <ma14:wrappingTextBoxFlag xmlns:ma14="http://schemas.microsoft.com/office/mac/drawingml/2011/main" xmlns:a14="http://schemas.microsoft.com/office/drawing/2010/main" xmlns:m="http://schemas.openxmlformats.org/officeDocument/2006/math" xmlns="" val="1"/>
+              <ma14:wrappingTextBoxFlag xmlns="" xmlns:m="http://schemas.openxmlformats.org/officeDocument/2006/math" xmlns:a14="http://schemas.microsoft.com/office/drawing/2010/main" xmlns:ma14="http://schemas.microsoft.com/office/mac/drawingml/2011/main" val="1"/>
             </a:ext>
           </a:extLst>
         </p:spPr>
@@ -4785,7 +4785,7 @@
           </a:prstGeom>
           <a:extLst>
             <a:ext uri="{C572A759-6A51-4108-AA02-DFA0A04FC94B}">
-              <ma14:wrappingTextBoxFlag xmlns:ma14="http://schemas.microsoft.com/office/mac/drawingml/2011/main" xmlns:a14="http://schemas.microsoft.com/office/drawing/2010/main" xmlns:m="http://schemas.openxmlformats.org/officeDocument/2006/math" xmlns="" val="1"/>
+              <ma14:wrappingTextBoxFlag xmlns="" xmlns:m="http://schemas.openxmlformats.org/officeDocument/2006/math" xmlns:a14="http://schemas.microsoft.com/office/drawing/2010/main" xmlns:ma14="http://schemas.microsoft.com/office/mac/drawingml/2011/main" val="1"/>
             </a:ext>
           </a:extLst>
         </p:spPr>
@@ -4881,7 +4881,7 @@
           <a:effectLst/>
           <a:extLst>
             <a:ext uri="{C572A759-6A51-4108-AA02-DFA0A04FC94B}">
-              <ma14:wrappingTextBoxFlag xmlns:ma14="http://schemas.microsoft.com/office/mac/drawingml/2011/main" xmlns:a14="http://schemas.microsoft.com/office/drawing/2010/main" xmlns:m="http://schemas.openxmlformats.org/officeDocument/2006/math" xmlns="" val="1"/>
+              <ma14:wrappingTextBoxFlag xmlns="" xmlns:m="http://schemas.openxmlformats.org/officeDocument/2006/math" xmlns:a14="http://schemas.microsoft.com/office/drawing/2010/main" xmlns:ma14="http://schemas.microsoft.com/office/mac/drawingml/2011/main" val="1"/>
             </a:ext>
           </a:extLst>
         </p:spPr>
@@ -4939,7 +4939,7 @@
           <a:effectLst/>
           <a:extLst>
             <a:ext uri="{C572A759-6A51-4108-AA02-DFA0A04FC94B}">
-              <ma14:wrappingTextBoxFlag xmlns:ma14="http://schemas.microsoft.com/office/mac/drawingml/2011/main" xmlns:a14="http://schemas.microsoft.com/office/drawing/2010/main" xmlns:m="http://schemas.openxmlformats.org/officeDocument/2006/math" xmlns="" val="1"/>
+              <ma14:wrappingTextBoxFlag xmlns="" xmlns:m="http://schemas.openxmlformats.org/officeDocument/2006/math" xmlns:a14="http://schemas.microsoft.com/office/drawing/2010/main" xmlns:ma14="http://schemas.microsoft.com/office/mac/drawingml/2011/main" val="1"/>
             </a:ext>
           </a:extLst>
         </p:spPr>
@@ -5091,23 +5091,57 @@
           </a:prstGeom>
         </p:spPr>
         <p:txBody>
-          <a:bodyPr/>
+          <a:bodyPr>
+            <a:noAutofit/>
+          </a:bodyPr>
           <a:lstStyle/>
           <a:p>
             <a:pPr defTabSz="572516">
               <a:defRPr sz="5390"/>
             </a:pPr>
             <a:r>
-              <a:t>Map, Food, Smiles</a:t>
+              <a:rPr lang="en-US" sz="3000" dirty="0"/>
+              <a:t>Project topic:</a:t>
             </a:r>
           </a:p>
           <a:p>
             <a:pPr defTabSz="572516">
               <a:defRPr sz="5390"/>
             </a:pPr>
+            <a:endParaRPr lang="en-US" sz="3000" dirty="0"/>
+          </a:p>
+          <a:p>
+            <a:pPr defTabSz="572516">
+              <a:defRPr sz="5390"/>
+            </a:pPr>
             <a:r>
-              <a:t>T2</a:t>
+              <a:rPr lang="en-US" sz="3000" dirty="0"/>
+              <a:t>Binary classification with a tabular credit card fraud dataset</a:t>
             </a:r>
+          </a:p>
+          <a:p>
+            <a:pPr defTabSz="572516">
+              <a:defRPr sz="5390"/>
+            </a:pPr>
+            <a:endParaRPr lang="en-US" sz="3000" dirty="0"/>
+          </a:p>
+          <a:p>
+            <a:pPr defTabSz="572516">
+              <a:defRPr sz="5390"/>
+            </a:pPr>
+            <a:r>
+              <a:rPr lang="en-US" sz="3000" dirty="0"/>
+              <a:t>Work with:</a:t>
+            </a:r>
+            <a:r>
+              <a:rPr lang="zh-TW" altLang="en-US" sz="3000" dirty="0"/>
+              <a:t> 包坤達</a:t>
+            </a:r>
+            <a:r>
+              <a:rPr lang="en-US" sz="3000" dirty="0"/>
+              <a:t> </a:t>
+            </a:r>
+            <a:endParaRPr sz="3000" dirty="0"/>
           </a:p>
         </p:txBody>
       </p:sp>
@@ -5171,7 +5205,7 @@
           </a:custGeom>
           <a:extLst>
             <a:ext uri="{C572A759-6A51-4108-AA02-DFA0A04FC94B}">
-              <ma14:wrappingTextBoxFlag xmlns:ma14="http://schemas.microsoft.com/office/mac/drawingml/2011/main" xmlns:a14="http://schemas.microsoft.com/office/drawing/2010/main" xmlns:m="http://schemas.openxmlformats.org/officeDocument/2006/math" xmlns="" val="1"/>
+              <ma14:wrappingTextBoxFlag xmlns="" xmlns:m="http://schemas.openxmlformats.org/officeDocument/2006/math" xmlns:a14="http://schemas.microsoft.com/office/drawing/2010/main" xmlns:ma14="http://schemas.microsoft.com/office/mac/drawingml/2011/main" val="1"/>
             </a:ext>
           </a:extLst>
         </p:spPr>
@@ -5245,7 +5279,7 @@
           </a:custGeom>
           <a:extLst>
             <a:ext uri="{C572A759-6A51-4108-AA02-DFA0A04FC94B}">
-              <ma14:wrappingTextBoxFlag xmlns:ma14="http://schemas.microsoft.com/office/mac/drawingml/2011/main" xmlns:a14="http://schemas.microsoft.com/office/drawing/2010/main" xmlns:m="http://schemas.openxmlformats.org/officeDocument/2006/math" xmlns="" val="1"/>
+              <ma14:wrappingTextBoxFlag xmlns="" xmlns:m="http://schemas.openxmlformats.org/officeDocument/2006/math" xmlns:a14="http://schemas.microsoft.com/office/drawing/2010/main" xmlns:ma14="http://schemas.microsoft.com/office/mac/drawingml/2011/main" val="1"/>
             </a:ext>
           </a:extLst>
         </p:spPr>
@@ -5278,7 +5312,7 @@
           </a:ln>
           <a:extLst>
             <a:ext uri="{C572A759-6A51-4108-AA02-DFA0A04FC94B}">
-              <ma14:wrappingTextBoxFlag xmlns:ma14="http://schemas.microsoft.com/office/mac/drawingml/2011/main" xmlns:a14="http://schemas.microsoft.com/office/drawing/2010/main" xmlns:m="http://schemas.openxmlformats.org/officeDocument/2006/math" xmlns="" val="1"/>
+              <ma14:wrappingTextBoxFlag xmlns="" xmlns:m="http://schemas.openxmlformats.org/officeDocument/2006/math" xmlns:a14="http://schemas.microsoft.com/office/drawing/2010/main" xmlns:ma14="http://schemas.microsoft.com/office/mac/drawingml/2011/main" val="1"/>
             </a:ext>
           </a:extLst>
         </p:spPr>
